--- a/2017-07_Seminar/2_Theory_Word_Embeddings.pptx
+++ b/2017-07_Seminar/2_Theory_Word_Embeddings.pptx
@@ -6,7 +6,7 @@
     <p:sldMasterId id="2147483744" r:id="rId2"/>
   </p:sldMasterIdLst>
   <p:notesMasterIdLst>
-    <p:notesMasterId r:id="rId16"/>
+    <p:notesMasterId r:id="rId17"/>
   </p:notesMasterIdLst>
   <p:sldIdLst>
     <p:sldId id="261" r:id="rId3"/>
@@ -22,6 +22,7 @@
     <p:sldId id="271" r:id="rId13"/>
     <p:sldId id="272" r:id="rId14"/>
     <p:sldId id="273" r:id="rId15"/>
+    <p:sldId id="274" r:id="rId16"/>
   </p:sldIdLst>
   <p:sldSz cx="9144000" cy="6858000" type="screen4x3"/>
   <p:notesSz cx="6858000" cy="9144000"/>
@@ -7020,10 +7021,6 @@
               <a:rPr lang="de-DE" dirty="0" smtClean="0"/>
               <a:t>Word Embeddings</a:t>
             </a:r>
-            <a:r>
-              <a:rPr lang="de-DE" dirty="0" smtClean="0"/>
-              <a:t/>
-            </a:r>
             <a:br>
               <a:rPr lang="de-DE" dirty="0" smtClean="0"/>
             </a:br>
@@ -7526,11 +7523,7 @@
           <a:p>
             <a:r>
               <a:rPr lang="en-US" dirty="0" smtClean="0"/>
-              <a:t>How Powerful </a:t>
-            </a:r>
-            <a:r>
-              <a:rPr lang="en-US" dirty="0" smtClean="0"/>
-              <a:t>are Dense Representations?</a:t>
+              <a:t>How Powerful are Dense Representations?</a:t>
             </a:r>
             <a:endParaRPr lang="en-US" dirty="0"/>
           </a:p>
@@ -7875,6 +7868,180 @@
 </p:sld>
 </file>
 
+<file path=ppt/slides/slide14.xml><?xml version="1.0" encoding="utf-8"?>
+<p:sld xmlns:a="http://schemas.openxmlformats.org/drawingml/2006/main" xmlns:r="http://schemas.openxmlformats.org/officeDocument/2006/relationships" xmlns:p="http://schemas.openxmlformats.org/presentationml/2006/main">
+  <p:cSld>
+    <p:spTree>
+      <p:nvGrpSpPr>
+        <p:cNvPr id="1" name=""/>
+        <p:cNvGrpSpPr/>
+        <p:nvPr/>
+      </p:nvGrpSpPr>
+      <p:grpSpPr>
+        <a:xfrm>
+          <a:off x="0" y="0"/>
+          <a:ext cx="0" cy="0"/>
+          <a:chOff x="0" y="0"/>
+          <a:chExt cx="0" cy="0"/>
+        </a:xfrm>
+      </p:grpSpPr>
+      <p:sp>
+        <p:nvSpPr>
+          <p:cNvPr id="2" name="Fußzeilenplatzhalter 1"/>
+          <p:cNvSpPr>
+            <a:spLocks noGrp="1"/>
+          </p:cNvSpPr>
+          <p:nvPr>
+            <p:ph type="ftr" sz="quarter" idx="10"/>
+          </p:nvPr>
+        </p:nvSpPr>
+        <p:spPr/>
+        <p:txBody>
+          <a:bodyPr/>
+          <a:lstStyle/>
+          <a:p>
+            <a:pPr>
+              <a:defRPr/>
+            </a:pPr>
+            <a:r>
+              <a:rPr lang="de-DE" smtClean="0"/>
+              <a:t>July 2017   |   Computer Science Department   |   UKP Lab  -  Prof. Dr. Iryna Gurevych   |   Nils Reimers   | </a:t>
+            </a:r>
+            <a:endParaRPr lang="de-DE" dirty="0"/>
+          </a:p>
+        </p:txBody>
+      </p:sp>
+      <p:sp>
+        <p:nvSpPr>
+          <p:cNvPr id="3" name="Titel 2"/>
+          <p:cNvSpPr>
+            <a:spLocks noGrp="1"/>
+          </p:cNvSpPr>
+          <p:nvPr>
+            <p:ph type="title"/>
+          </p:nvPr>
+        </p:nvSpPr>
+        <p:spPr/>
+        <p:txBody>
+          <a:bodyPr/>
+          <a:lstStyle/>
+          <a:p>
+            <a:r>
+              <a:rPr lang="en-US" dirty="0" smtClean="0"/>
+              <a:t>Impact of Word Embeddings on Performance</a:t>
+            </a:r>
+            <a:endParaRPr lang="en-US" dirty="0"/>
+          </a:p>
+        </p:txBody>
+      </p:sp>
+      <p:pic>
+        <p:nvPicPr>
+          <p:cNvPr id="1026" name="Picture 2"/>
+          <p:cNvPicPr>
+            <a:picLocks noChangeAspect="1" noChangeArrowheads="1"/>
+          </p:cNvPicPr>
+          <p:nvPr/>
+        </p:nvPicPr>
+        <p:blipFill>
+          <a:blip r:embed="rId2">
+            <a:extLst>
+              <a:ext uri="{28A0092B-C50C-407E-A947-70E740481C1C}">
+                <a14:useLocalDpi xmlns:a14="http://schemas.microsoft.com/office/drawing/2010/main" val="0"/>
+              </a:ext>
+            </a:extLst>
+          </a:blip>
+          <a:srcRect/>
+          <a:stretch>
+            <a:fillRect/>
+          </a:stretch>
+        </p:blipFill>
+        <p:spPr bwMode="auto">
+          <a:xfrm>
+            <a:off x="990030" y="1470562"/>
+            <a:ext cx="7326386" cy="4910766"/>
+          </a:xfrm>
+          <a:prstGeom prst="rect">
+            <a:avLst/>
+          </a:prstGeom>
+          <a:noFill/>
+          <a:ln>
+            <a:noFill/>
+          </a:ln>
+          <a:effectLst/>
+          <a:extLst>
+            <a:ext uri="{909E8E84-426E-40DD-AFC4-6F175D3DCCD1}">
+              <a14:hiddenFill xmlns:a14="http://schemas.microsoft.com/office/drawing/2010/main">
+                <a:solidFill>
+                  <a:schemeClr val="accent1"/>
+                </a:solidFill>
+              </a14:hiddenFill>
+            </a:ext>
+            <a:ext uri="{91240B29-F687-4F45-9708-019B960494DF}">
+              <a14:hiddenLine xmlns:a14="http://schemas.microsoft.com/office/drawing/2010/main" w="9525">
+                <a:solidFill>
+                  <a:schemeClr val="tx1"/>
+                </a:solidFill>
+                <a:miter lim="800000"/>
+                <a:headEnd/>
+                <a:tailEnd/>
+              </a14:hiddenLine>
+            </a:ext>
+            <a:ext uri="{AF507438-7753-43E0-B8FC-AC1667EBCBE1}">
+              <a14:hiddenEffects xmlns:a14="http://schemas.microsoft.com/office/drawing/2010/main">
+                <a:effectLst>
+                  <a:outerShdw dist="35921" dir="2700000" algn="ctr" rotWithShape="0">
+                    <a:schemeClr val="bg2"/>
+                  </a:outerShdw>
+                </a:effectLst>
+              </a14:hiddenEffects>
+            </a:ext>
+          </a:extLst>
+        </p:spPr>
+      </p:pic>
+      <p:sp>
+        <p:nvSpPr>
+          <p:cNvPr id="5" name="Textfeld 4"/>
+          <p:cNvSpPr txBox="1"/>
+          <p:nvPr/>
+        </p:nvSpPr>
+        <p:spPr>
+          <a:xfrm>
+            <a:off x="6588224" y="6237312"/>
+            <a:ext cx="2160240" cy="276999"/>
+          </a:xfrm>
+          <a:prstGeom prst="rect">
+            <a:avLst/>
+          </a:prstGeom>
+          <a:noFill/>
+        </p:spPr>
+        <p:txBody>
+          <a:bodyPr wrap="square" rtlCol="0">
+            <a:spAutoFit/>
+          </a:bodyPr>
+          <a:lstStyle/>
+          <a:p>
+            <a:pPr algn="r"/>
+            <a:r>
+              <a:rPr lang="en-US" sz="1200" dirty="0" smtClean="0"/>
+              <a:t>Reimers, EMNLP 2017</a:t>
+            </a:r>
+            <a:endParaRPr lang="en-US" sz="1200" dirty="0"/>
+          </a:p>
+        </p:txBody>
+      </p:sp>
+    </p:spTree>
+    <p:extLst>
+      <p:ext uri="{BB962C8B-B14F-4D97-AF65-F5344CB8AC3E}">
+        <p14:creationId xmlns:p14="http://schemas.microsoft.com/office/powerpoint/2010/main" val="2638104296"/>
+      </p:ext>
+    </p:extLst>
+  </p:cSld>
+  <p:clrMapOvr>
+    <a:masterClrMapping/>
+  </p:clrMapOvr>
+</p:sld>
+</file>
+
 <file path=ppt/slides/slide2.xml><?xml version="1.0" encoding="utf-8"?>
 <p:sld xmlns:a="http://schemas.openxmlformats.org/drawingml/2006/main" xmlns:r="http://schemas.openxmlformats.org/officeDocument/2006/relationships" xmlns:p="http://schemas.openxmlformats.org/presentationml/2006/main">
   <p:cSld>
@@ -7916,11 +8083,7 @@
             </a:r>
             <a:r>
               <a:rPr lang="de-DE" dirty="0" smtClean="0"/>
-              <a:t> 2017   </a:t>
-            </a:r>
-            <a:r>
-              <a:rPr lang="de-DE" dirty="0" smtClean="0"/>
-              <a:t>|   Computer Science Department   |   UKP Lab  -  Prof. Dr. Iryna Gurevych   |   Nils Reimers   | </a:t>
+              <a:t> 2017   |   Computer Science Department   |   UKP Lab  -  Prof. Dr. Iryna Gurevych   |   Nils Reimers   | </a:t>
             </a:r>
             <a:endParaRPr lang="de-DE" dirty="0"/>
           </a:p>
@@ -8215,11 +8378,7 @@
             </a:r>
             <a:r>
               <a:rPr lang="de-DE" dirty="0" smtClean="0"/>
-              <a:t> 2017   </a:t>
-            </a:r>
-            <a:r>
-              <a:rPr lang="de-DE" dirty="0" smtClean="0"/>
-              <a:t>|   Computer Science Department   |   UKP Lab  -  Prof. Dr. Iryna Gurevych   |   Nils Reimers   | </a:t>
+              <a:t> 2017   |   Computer Science Department   |   UKP Lab  -  Prof. Dr. Iryna Gurevych   |   Nils Reimers   | </a:t>
             </a:r>
             <a:endParaRPr lang="de-DE" dirty="0"/>
           </a:p>
@@ -9784,11 +9943,7 @@
           <a:p>
             <a:r>
               <a:rPr lang="en-US" dirty="0" smtClean="0"/>
-              <a:t>Representation Learning for </a:t>
-            </a:r>
-            <a:r>
-              <a:rPr lang="en-US" dirty="0" smtClean="0"/>
-              <a:t>Words</a:t>
+              <a:t>Representation Learning for Words</a:t>
             </a:r>
             <a:br>
               <a:rPr lang="en-US" dirty="0" smtClean="0"/>
@@ -9939,24 +10094,15 @@
             </a:pPr>
             <a:r>
               <a:rPr lang="en-US" dirty="0" smtClean="0"/>
-              <a:t>Given </a:t>
-            </a:r>
-            <a:r>
-              <a:rPr lang="en-US" dirty="0" smtClean="0"/>
-              <a:t>the surrounding words, </a:t>
+              <a:t>Given the surrounding words, </a:t>
             </a:r>
             <a:br>
               <a:rPr lang="en-US" dirty="0" smtClean="0"/>
             </a:br>
             <a:r>
               <a:rPr lang="en-US" dirty="0" smtClean="0"/>
-              <a:t>try to predict word: w(t</a:t>
-            </a:r>
-            <a:r>
-              <a:rPr lang="en-US" dirty="0" smtClean="0"/>
-              <a:t>)</a:t>
-            </a:r>
-            <a:endParaRPr lang="en-US" dirty="0" smtClean="0"/>
+              <a:t>try to predict word: w(t)</a:t>
+            </a:r>
           </a:p>
           <a:p>
             <a:pPr marL="285750" indent="-285750">
@@ -9965,11 +10111,7 @@
             </a:pPr>
             <a:r>
               <a:rPr lang="en-US" dirty="0" smtClean="0"/>
-              <a:t>Idea</a:t>
-            </a:r>
-            <a:r>
-              <a:rPr lang="en-US" dirty="0" smtClean="0"/>
-              <a:t>:</a:t>
+              <a:t>Idea:</a:t>
             </a:r>
             <a:br>
               <a:rPr lang="en-US" dirty="0" smtClean="0"/>
@@ -10063,11 +10205,7 @@
             </a:pPr>
             <a:r>
               <a:rPr lang="en-US" dirty="0" smtClean="0"/>
-              <a:t>Result: Similar words are close, dissimilar words are far apart in vector </a:t>
-            </a:r>
-            <a:r>
-              <a:rPr lang="en-US" dirty="0" smtClean="0"/>
-              <a:t>space</a:t>
+              <a:t>Result: Similar words are close, dissimilar words are far apart in vector space</a:t>
             </a:r>
           </a:p>
           <a:p>
@@ -10194,11 +10332,7 @@
           <a:p>
             <a:r>
               <a:rPr lang="en-US" dirty="0" smtClean="0"/>
-              <a:t>Representation Learning for </a:t>
-            </a:r>
-            <a:r>
-              <a:rPr lang="en-US" dirty="0" smtClean="0"/>
-              <a:t>Words</a:t>
+              <a:t>Representation Learning for Words</a:t>
             </a:r>
             <a:br>
               <a:rPr lang="en-US" dirty="0" smtClean="0"/>
@@ -10258,7 +10392,6 @@
               <a:rPr lang="en-US" dirty="0" smtClean="0"/>
               <a:t>Usually works better than CBOW</a:t>
             </a:r>
-            <a:endParaRPr lang="en-US" dirty="0" smtClean="0"/>
           </a:p>
           <a:p>
             <a:pPr marL="285750" indent="-285750">
@@ -10349,7 +10482,6 @@
               <a:rPr lang="en-US" dirty="0" smtClean="0"/>
               <a:t>Which is most suitable depends on the task</a:t>
             </a:r>
-            <a:endParaRPr lang="en-US" dirty="0" smtClean="0"/>
           </a:p>
           <a:p>
             <a:pPr marL="285750" indent="-285750">
